--- a/Prototype.pptx
+++ b/Prototype.pptx
@@ -7,6 +7,8 @@
   <p:sldIdLst>
     <p:sldId id="256" r:id="rId2"/>
     <p:sldId id="257" r:id="rId3"/>
+    <p:sldId id="258" r:id="rId4"/>
+    <p:sldId id="259" r:id="rId5"/>
   </p:sldIdLst>
   <p:sldSz cx="12192000" cy="6858000"/>
   <p:notesSz cx="6858000" cy="9144000"/>
@@ -105,6 +107,11 @@
       </a:defRPr>
     </a:lvl9pPr>
   </p:defaultTextStyle>
+  <p:extLst>
+    <p:ext uri="{EFAFB233-063F-42B5-8137-9DF3F51BA10A}">
+      <p15:sldGuideLst xmlns:p15="http://schemas.microsoft.com/office/powerpoint/2012/main"/>
+    </p:ext>
+  </p:extLst>
 </p:presentation>
 </file>
 
@@ -3400,11 +3407,11 @@
       </p:sp>
       <p:sp>
         <p:nvSpPr>
-          <p:cNvPr id="7" name="Actieknop: Leeg 6">
-            <a:hlinkClick r:id="" action="ppaction://noaction" highlightClick="1"/>
-            <a:extLst>
-              <a:ext uri="{FF2B5EF4-FFF2-40B4-BE49-F238E27FC236}">
-                <a16:creationId xmlns:a16="http://schemas.microsoft.com/office/drawing/2014/main" id="{58D467B1-C27C-413D-8880-6EBC3001A600}"/>
+          <p:cNvPr id="8" name="Actieknop: Leeg 7">
+            <a:hlinkClick r:id="rId2" action="ppaction://hlinksldjump" highlightClick="1"/>
+            <a:extLst>
+              <a:ext uri="{FF2B5EF4-FFF2-40B4-BE49-F238E27FC236}">
+                <a16:creationId xmlns:a16="http://schemas.microsoft.com/office/drawing/2014/main" id="{2A425E3C-C35A-4424-92C2-81F8E3A60A9C}"/>
               </a:ext>
             </a:extLst>
           </p:cNvPr>
@@ -3413,8 +3420,8 @@
         </p:nvSpPr>
         <p:spPr>
           <a:xfrm>
-            <a:off x="2664069" y="1134208"/>
-            <a:ext cx="6479931" cy="1881554"/>
+            <a:off x="2816469" y="3930162"/>
+            <a:ext cx="6327531" cy="1881554"/>
           </a:xfrm>
           <a:prstGeom prst="actionButtonBlank">
             <a:avLst/>
@@ -3449,11 +3456,11 @@
       </p:sp>
       <p:sp>
         <p:nvSpPr>
-          <p:cNvPr id="8" name="Actieknop: Leeg 7">
-            <a:hlinkClick r:id="rId2" action="ppaction://hlinksldjump" highlightClick="1"/>
-            <a:extLst>
-              <a:ext uri="{FF2B5EF4-FFF2-40B4-BE49-F238E27FC236}">
-                <a16:creationId xmlns:a16="http://schemas.microsoft.com/office/drawing/2014/main" id="{2A425E3C-C35A-4424-92C2-81F8E3A60A9C}"/>
+          <p:cNvPr id="2" name="Actieknop: Leeg 1">
+            <a:hlinkClick r:id="rId3" action="ppaction://hlinksldjump" highlightClick="1"/>
+            <a:extLst>
+              <a:ext uri="{FF2B5EF4-FFF2-40B4-BE49-F238E27FC236}">
+                <a16:creationId xmlns:a16="http://schemas.microsoft.com/office/drawing/2014/main" id="{9F689E7F-A781-4564-97FE-D51B3A0B208D}"/>
               </a:ext>
             </a:extLst>
           </p:cNvPr>
@@ -3462,8 +3469,8 @@
         </p:nvSpPr>
         <p:spPr>
           <a:xfrm>
-            <a:off x="2816469" y="3930162"/>
-            <a:ext cx="6327531" cy="1881554"/>
+            <a:off x="3529584" y="768096"/>
+            <a:ext cx="4654296" cy="2734056"/>
           </a:xfrm>
           <a:prstGeom prst="actionButtonBlank">
             <a:avLst/>
@@ -4270,6 +4277,265 @@
     <p:extLst>
       <p:ext uri="{BB962C8B-B14F-4D97-AF65-F5344CB8AC3E}">
         <p14:creationId xmlns:p14="http://schemas.microsoft.com/office/powerpoint/2010/main" val="641716704"/>
+      </p:ext>
+    </p:extLst>
+  </p:cSld>
+  <p:clrMapOvr>
+    <a:masterClrMapping/>
+  </p:clrMapOvr>
+</p:sld>
+</file>
+
+<file path=ppt/slides/slide3.xml><?xml version="1.0" encoding="utf-8"?>
+<p:sld xmlns:a="http://schemas.openxmlformats.org/drawingml/2006/main" xmlns:r="http://schemas.openxmlformats.org/officeDocument/2006/relationships" xmlns:p="http://schemas.openxmlformats.org/presentationml/2006/main">
+  <p:cSld>
+    <p:spTree>
+      <p:nvGrpSpPr>
+        <p:cNvPr id="1" name=""/>
+        <p:cNvGrpSpPr/>
+        <p:nvPr/>
+      </p:nvGrpSpPr>
+      <p:grpSpPr>
+        <a:xfrm>
+          <a:off x="0" y="0"/>
+          <a:ext cx="0" cy="0"/>
+          <a:chOff x="0" y="0"/>
+          <a:chExt cx="0" cy="0"/>
+        </a:xfrm>
+      </p:grpSpPr>
+      <p:sp>
+        <p:nvSpPr>
+          <p:cNvPr id="7" name="Pijl: ingekeept rechts 6">
+            <a:extLst>
+              <a:ext uri="{FF2B5EF4-FFF2-40B4-BE49-F238E27FC236}">
+                <a16:creationId xmlns:a16="http://schemas.microsoft.com/office/drawing/2014/main" id="{E4C7B869-A2E6-4E3F-BF6E-9976780A1CFA}"/>
+              </a:ext>
+            </a:extLst>
+          </p:cNvPr>
+          <p:cNvSpPr/>
+          <p:nvPr/>
+        </p:nvSpPr>
+        <p:spPr>
+          <a:xfrm>
+            <a:off x="4702831" y="3429000"/>
+            <a:ext cx="1935714" cy="1627632"/>
+          </a:xfrm>
+          <a:prstGeom prst="notchedRightArrow">
+            <a:avLst/>
+          </a:prstGeom>
+        </p:spPr>
+        <p:style>
+          <a:lnRef idx="2">
+            <a:schemeClr val="accent1">
+              <a:shade val="50000"/>
+            </a:schemeClr>
+          </a:lnRef>
+          <a:fillRef idx="1">
+            <a:schemeClr val="accent1"/>
+          </a:fillRef>
+          <a:effectRef idx="0">
+            <a:schemeClr val="accent1"/>
+          </a:effectRef>
+          <a:fontRef idx="minor">
+            <a:schemeClr val="lt1"/>
+          </a:fontRef>
+        </p:style>
+        <p:txBody>
+          <a:bodyPr rtlCol="0" anchor="ctr"/>
+          <a:lstStyle/>
+          <a:p>
+            <a:pPr algn="ctr"/>
+            <a:r>
+              <a:rPr lang="nl-NL" dirty="0"/>
+              <a:t>LOADING</a:t>
+            </a:r>
+          </a:p>
+        </p:txBody>
+      </p:sp>
+    </p:spTree>
+    <p:extLst>
+      <p:ext uri="{BB962C8B-B14F-4D97-AF65-F5344CB8AC3E}">
+        <p14:creationId xmlns:p14="http://schemas.microsoft.com/office/powerpoint/2010/main" val="2463283497"/>
+      </p:ext>
+    </p:extLst>
+  </p:cSld>
+  <p:clrMapOvr>
+    <a:masterClrMapping/>
+  </p:clrMapOvr>
+  <p:timing>
+    <p:tnLst>
+      <p:par>
+        <p:cTn id="1" dur="indefinite" restart="never" nodeType="tmRoot">
+          <p:childTnLst>
+            <p:seq concurrent="1" nextAc="seek">
+              <p:cTn id="2" dur="indefinite" nodeType="mainSeq">
+                <p:childTnLst>
+                  <p:par>
+                    <p:cTn id="3" fill="hold">
+                      <p:stCondLst>
+                        <p:cond delay="indefinite"/>
+                        <p:cond evt="onBegin" delay="0">
+                          <p:tn val="2"/>
+                        </p:cond>
+                      </p:stCondLst>
+                      <p:childTnLst>
+                        <p:par>
+                          <p:cTn id="4" fill="hold">
+                            <p:stCondLst>
+                              <p:cond delay="0"/>
+                            </p:stCondLst>
+                            <p:childTnLst>
+                              <p:par>
+                                <p:cTn id="5" presetID="1" presetClass="path" presetSubtype="0" fill="hold" grpId="0" nodeType="afterEffect">
+                                  <p:stCondLst>
+                                    <p:cond delay="0"/>
+                                  </p:stCondLst>
+                                  <p:childTnLst>
+                                    <p:animMotion origin="layout" path="M 0.00079 -0.30463 C 0.0698 -0.30463 0.12579 -0.2169 0.12579 -0.1081 C 0.12579 -0.00023 0.0698 0.08842 0.00079 0.08842 C -0.06822 0.08842 -0.12421 -0.00023 -0.12421 -0.1081 C -0.12421 -0.2169 -0.06822 -0.30463 0.00079 -0.30463 Z " pathEditMode="relative" rAng="0" ptsTypes="AAAAA">
+                                      <p:cBhvr>
+                                        <p:cTn id="6" dur="2000" fill="hold"/>
+                                        <p:tgtEl>
+                                          <p:spTgt spid="7"/>
+                                        </p:tgtEl>
+                                        <p:attrNameLst>
+                                          <p:attrName>ppt_x</p:attrName>
+                                          <p:attrName>ppt_y</p:attrName>
+                                        </p:attrNameLst>
+                                      </p:cBhvr>
+                                      <p:rCtr x="0" y="19653"/>
+                                    </p:animMotion>
+                                  </p:childTnLst>
+                                </p:cTn>
+                              </p:par>
+                              <p:par>
+                                <p:cTn id="7" presetID="8" presetClass="emph" presetSubtype="0" fill="hold" grpId="1" nodeType="withEffect">
+                                  <p:stCondLst>
+                                    <p:cond delay="0"/>
+                                  </p:stCondLst>
+                                  <p:childTnLst>
+                                    <p:animRot by="21600000">
+                                      <p:cBhvr>
+                                        <p:cTn id="8" dur="2000" fill="hold"/>
+                                        <p:tgtEl>
+                                          <p:spTgt spid="7"/>
+                                        </p:tgtEl>
+                                        <p:attrNameLst>
+                                          <p:attrName>r</p:attrName>
+                                        </p:attrNameLst>
+                                      </p:cBhvr>
+                                    </p:animRot>
+                                  </p:childTnLst>
+                                </p:cTn>
+                              </p:par>
+                            </p:childTnLst>
+                          </p:cTn>
+                        </p:par>
+                        <p:par>
+                          <p:cTn id="9" fill="hold">
+                            <p:stCondLst>
+                              <p:cond delay="2000"/>
+                            </p:stCondLst>
+                            <p:childTnLst>
+                              <p:par>
+                                <p:cTn id="10" presetID="1" presetClass="path" presetSubtype="0" fill="hold" grpId="2" nodeType="afterEffect">
+                                  <p:stCondLst>
+                                    <p:cond delay="0"/>
+                                  </p:stCondLst>
+                                  <p:childTnLst>
+                                    <p:animMotion origin="layout" path="M 0.00079 -0.30463 C 0.0698 -0.30463 0.12579 -0.21667 0.12579 -0.10764 C 0.12579 0.00116 0.0698 0.08958 0.00079 0.08958 C -0.06822 0.08958 -0.12421 0.00116 -0.12421 -0.10764 C -0.12421 -0.21667 -0.06822 -0.30463 0.00079 -0.30463 Z " pathEditMode="relative" rAng="0" ptsTypes="AAAAA">
+                                      <p:cBhvr>
+                                        <p:cTn id="11" dur="2000" fill="hold"/>
+                                        <p:tgtEl>
+                                          <p:spTgt spid="7"/>
+                                        </p:tgtEl>
+                                        <p:attrNameLst>
+                                          <p:attrName>ppt_x</p:attrName>
+                                          <p:attrName>ppt_y</p:attrName>
+                                        </p:attrNameLst>
+                                      </p:cBhvr>
+                                      <p:rCtr x="0" y="19699"/>
+                                    </p:animMotion>
+                                  </p:childTnLst>
+                                </p:cTn>
+                              </p:par>
+                              <p:par>
+                                <p:cTn id="12" presetID="8" presetClass="emph" presetSubtype="0" fill="hold" grpId="3" nodeType="withEffect">
+                                  <p:stCondLst>
+                                    <p:cond delay="0"/>
+                                  </p:stCondLst>
+                                  <p:childTnLst>
+                                    <p:animRot by="21600000">
+                                      <p:cBhvr>
+                                        <p:cTn id="13" dur="2000" fill="hold"/>
+                                        <p:tgtEl>
+                                          <p:spTgt spid="7"/>
+                                        </p:tgtEl>
+                                        <p:attrNameLst>
+                                          <p:attrName>r</p:attrName>
+                                        </p:attrNameLst>
+                                      </p:cBhvr>
+                                    </p:animRot>
+                                  </p:childTnLst>
+                                </p:cTn>
+                              </p:par>
+                            </p:childTnLst>
+                          </p:cTn>
+                        </p:par>
+                      </p:childTnLst>
+                    </p:cTn>
+                  </p:par>
+                </p:childTnLst>
+              </p:cTn>
+              <p:prevCondLst>
+                <p:cond evt="onPrev" delay="0">
+                  <p:tgtEl>
+                    <p:sldTgt/>
+                  </p:tgtEl>
+                </p:cond>
+              </p:prevCondLst>
+              <p:nextCondLst>
+                <p:cond evt="onNext" delay="0">
+                  <p:tgtEl>
+                    <p:sldTgt/>
+                  </p:tgtEl>
+                </p:cond>
+              </p:nextCondLst>
+            </p:seq>
+          </p:childTnLst>
+        </p:cTn>
+      </p:par>
+    </p:tnLst>
+    <p:bldLst>
+      <p:bldP spid="7" grpId="0" animBg="1"/>
+      <p:bldP spid="7" grpId="1" animBg="1"/>
+      <p:bldP spid="7" grpId="2" animBg="1"/>
+      <p:bldP spid="7" grpId="3" animBg="1"/>
+    </p:bldLst>
+  </p:timing>
+</p:sld>
+</file>
+
+<file path=ppt/slides/slide4.xml><?xml version="1.0" encoding="utf-8"?>
+<p:sld xmlns:a="http://schemas.openxmlformats.org/drawingml/2006/main" xmlns:r="http://schemas.openxmlformats.org/officeDocument/2006/relationships" xmlns:p="http://schemas.openxmlformats.org/presentationml/2006/main">
+  <p:cSld>
+    <p:spTree>
+      <p:nvGrpSpPr>
+        <p:cNvPr id="1" name=""/>
+        <p:cNvGrpSpPr/>
+        <p:nvPr/>
+      </p:nvGrpSpPr>
+      <p:grpSpPr>
+        <a:xfrm>
+          <a:off x="0" y="0"/>
+          <a:ext cx="0" cy="0"/>
+          <a:chOff x="0" y="0"/>
+          <a:chExt cx="0" cy="0"/>
+        </a:xfrm>
+      </p:grpSpPr>
+    </p:spTree>
+    <p:extLst>
+      <p:ext uri="{BB962C8B-B14F-4D97-AF65-F5344CB8AC3E}">
+        <p14:creationId xmlns:p14="http://schemas.microsoft.com/office/powerpoint/2010/main" val="3914896342"/>
       </p:ext>
     </p:extLst>
   </p:cSld>
